--- a/Presentations/ProjectPresentation_03-11-JM.pptx
+++ b/Presentations/ProjectPresentation_03-11-JM.pptx
@@ -284,7 +284,7 @@
           <a:p>
             <a:fld id="{CD63FF02-0E8F-C94D-9333-E7E525B6484A}" type="datetimeFigureOut">
               <a:rPr lang="en-US" smtClean="0"/>
-              <a:t>3/10/2021</a:t>
+              <a:t>3/11/2021</a:t>
             </a:fld>
             <a:endParaRPr lang="en-US"/>
           </a:p>
@@ -482,7 +482,7 @@
           <a:p>
             <a:fld id="{CD63FF02-0E8F-C94D-9333-E7E525B6484A}" type="datetimeFigureOut">
               <a:rPr lang="en-US" smtClean="0"/>
-              <a:t>3/10/2021</a:t>
+              <a:t>3/11/2021</a:t>
             </a:fld>
             <a:endParaRPr lang="en-US"/>
           </a:p>
@@ -690,7 +690,7 @@
           <a:p>
             <a:fld id="{CD63FF02-0E8F-C94D-9333-E7E525B6484A}" type="datetimeFigureOut">
               <a:rPr lang="en-US" smtClean="0"/>
-              <a:t>3/10/2021</a:t>
+              <a:t>3/11/2021</a:t>
             </a:fld>
             <a:endParaRPr lang="en-US"/>
           </a:p>
@@ -893,7 +893,7 @@
           <a:p>
             <a:fld id="{CD63FF02-0E8F-C94D-9333-E7E525B6484A}" type="datetimeFigureOut">
               <a:rPr lang="en-US" smtClean="0"/>
-              <a:t>3/10/2021</a:t>
+              <a:t>3/11/2021</a:t>
             </a:fld>
             <a:endParaRPr lang="en-US"/>
           </a:p>
@@ -1168,7 +1168,7 @@
           <a:p>
             <a:fld id="{CD63FF02-0E8F-C94D-9333-E7E525B6484A}" type="datetimeFigureOut">
               <a:rPr lang="en-US" smtClean="0"/>
-              <a:t>3/10/2021</a:t>
+              <a:t>3/11/2021</a:t>
             </a:fld>
             <a:endParaRPr lang="en-US"/>
           </a:p>
@@ -1433,7 +1433,7 @@
           <a:p>
             <a:fld id="{CD63FF02-0E8F-C94D-9333-E7E525B6484A}" type="datetimeFigureOut">
               <a:rPr lang="en-US" smtClean="0"/>
-              <a:t>3/10/2021</a:t>
+              <a:t>3/11/2021</a:t>
             </a:fld>
             <a:endParaRPr lang="en-US"/>
           </a:p>
@@ -1845,7 +1845,7 @@
           <a:p>
             <a:fld id="{CD63FF02-0E8F-C94D-9333-E7E525B6484A}" type="datetimeFigureOut">
               <a:rPr lang="en-US" smtClean="0"/>
-              <a:t>3/10/2021</a:t>
+              <a:t>3/11/2021</a:t>
             </a:fld>
             <a:endParaRPr lang="en-US"/>
           </a:p>
@@ -1986,7 +1986,7 @@
           <a:p>
             <a:fld id="{CD63FF02-0E8F-C94D-9333-E7E525B6484A}" type="datetimeFigureOut">
               <a:rPr lang="en-US" smtClean="0"/>
-              <a:t>3/10/2021</a:t>
+              <a:t>3/11/2021</a:t>
             </a:fld>
             <a:endParaRPr lang="en-US"/>
           </a:p>
@@ -2099,7 +2099,7 @@
           <a:p>
             <a:fld id="{CD63FF02-0E8F-C94D-9333-E7E525B6484A}" type="datetimeFigureOut">
               <a:rPr lang="en-US" smtClean="0"/>
-              <a:t>3/10/2021</a:t>
+              <a:t>3/11/2021</a:t>
             </a:fld>
             <a:endParaRPr lang="en-US"/>
           </a:p>
@@ -2410,7 +2410,7 @@
           <a:p>
             <a:fld id="{CD63FF02-0E8F-C94D-9333-E7E525B6484A}" type="datetimeFigureOut">
               <a:rPr lang="en-US" smtClean="0"/>
-              <a:t>3/10/2021</a:t>
+              <a:t>3/11/2021</a:t>
             </a:fld>
             <a:endParaRPr lang="en-US"/>
           </a:p>
@@ -2698,7 +2698,7 @@
           <a:p>
             <a:fld id="{CD63FF02-0E8F-C94D-9333-E7E525B6484A}" type="datetimeFigureOut">
               <a:rPr lang="en-US" smtClean="0"/>
-              <a:t>3/10/2021</a:t>
+              <a:t>3/11/2021</a:t>
             </a:fld>
             <a:endParaRPr lang="en-US"/>
           </a:p>
@@ -2948,7 +2948,7 @@
           <a:p>
             <a:fld id="{CD63FF02-0E8F-C94D-9333-E7E525B6484A}" type="datetimeFigureOut">
               <a:rPr lang="en-US" smtClean="0"/>
-              <a:t>3/10/2021</a:t>
+              <a:t>3/11/2021</a:t>
             </a:fld>
             <a:endParaRPr lang="en-US"/>
           </a:p>
@@ -3395,7 +3395,7 @@
           <a:p>
             <a:r>
               <a:rPr lang="en-US" dirty="0"/>
-              <a:t>Neuromorphic Computing Project Proposal:</a:t>
+              <a:t>Neuromorphic Computing Midterm Presentation:</a:t>
             </a:r>
             <a:br>
               <a:rPr lang="en-US" dirty="0"/>
@@ -3644,6 +3644,12 @@
             <a:r>
               <a:rPr lang="en-US" dirty="0"/>
               <a:t>B: Input signal (Bit-line)</a:t>
+            </a:r>
+          </a:p>
+          <a:p>
+            <a:r>
+              <a:rPr lang="en-US" dirty="0"/>
+              <a:t>I added CMOS inverters to provide inverted SE and B signals.</a:t>
             </a:r>
           </a:p>
         </p:txBody>
@@ -9306,7 +9312,7 @@
           <a:p>
             <a:r>
               <a:rPr lang="en-US" dirty="0"/>
-              <a:t>Convolution Operation</a:t>
+              <a:t>Review: Convolution Operation</a:t>
             </a:r>
           </a:p>
         </p:txBody>
@@ -11504,8 +11510,8 @@
           </a:p>
         </p:txBody>
       </p:sp>
-      <mc:AlternateContent xmlns:mc="http://schemas.openxmlformats.org/markup-compatibility/2006">
-        <mc:Choice xmlns:a14="http://schemas.microsoft.com/office/drawing/2010/main" Requires="a14">
+      <mc:AlternateContent xmlns:mc="http://schemas.openxmlformats.org/markup-compatibility/2006" xmlns:a14="http://schemas.microsoft.com/office/drawing/2010/main">
+        <mc:Choice Requires="a14">
           <p:sp>
             <p:nvSpPr>
               <p:cNvPr id="27" name="Content Placeholder 2">
@@ -12853,7 +12859,7 @@
             </p:txBody>
           </p:sp>
         </mc:Choice>
-        <mc:Fallback>
+        <mc:Fallback xmlns="">
           <p:sp>
             <p:nvSpPr>
               <p:cNvPr id="27" name="Content Placeholder 2">
@@ -17650,7 +17656,7 @@
           <a:p>
             <a:r>
               <a:rPr lang="en-US" dirty="0"/>
-              <a:t>We have to map the multi-bit numbers to use this</a:t>
+              <a:t>We must transform the multi-bit numbers to use this</a:t>
             </a:r>
           </a:p>
         </p:txBody>
@@ -22837,10 +22843,10 @@
       </p:sp>
       <p:pic>
         <p:nvPicPr>
-          <p:cNvPr id="5" name="Picture 4">
-            <a:extLst>
-              <a:ext uri="{FF2B5EF4-FFF2-40B4-BE49-F238E27FC236}">
-                <a16:creationId xmlns:a16="http://schemas.microsoft.com/office/drawing/2014/main" id="{FA6330E0-DF7D-4C2F-8C31-CAF613DE1812}"/>
+          <p:cNvPr id="6" name="Picture 5">
+            <a:extLst>
+              <a:ext uri="{FF2B5EF4-FFF2-40B4-BE49-F238E27FC236}">
+                <a16:creationId xmlns:a16="http://schemas.microsoft.com/office/drawing/2014/main" id="{1476D1B0-56D2-4F76-97CA-932BD6CD25E0}"/>
               </a:ext>
             </a:extLst>
           </p:cNvPr>
@@ -22857,8 +22863,8 @@
         </p:blipFill>
         <p:spPr>
           <a:xfrm>
-            <a:off x="6119656" y="1690688"/>
-            <a:ext cx="6072344" cy="4182553"/>
+            <a:off x="5919670" y="1690688"/>
+            <a:ext cx="6272330" cy="4351338"/>
           </a:xfrm>
           <a:prstGeom prst="rect">
             <a:avLst/>

--- a/Presentations/ProjectPresentation_03-11-JM.pptx
+++ b/Presentations/ProjectPresentation_03-11-JM.pptx
@@ -284,7 +284,7 @@
           <a:p>
             <a:fld id="{CD63FF02-0E8F-C94D-9333-E7E525B6484A}" type="datetimeFigureOut">
               <a:rPr lang="en-US" smtClean="0"/>
-              <a:t>3/11/2021</a:t>
+              <a:t>3/15/2021</a:t>
             </a:fld>
             <a:endParaRPr lang="en-US"/>
           </a:p>
@@ -482,7 +482,7 @@
           <a:p>
             <a:fld id="{CD63FF02-0E8F-C94D-9333-E7E525B6484A}" type="datetimeFigureOut">
               <a:rPr lang="en-US" smtClean="0"/>
-              <a:t>3/11/2021</a:t>
+              <a:t>3/15/2021</a:t>
             </a:fld>
             <a:endParaRPr lang="en-US"/>
           </a:p>
@@ -690,7 +690,7 @@
           <a:p>
             <a:fld id="{CD63FF02-0E8F-C94D-9333-E7E525B6484A}" type="datetimeFigureOut">
               <a:rPr lang="en-US" smtClean="0"/>
-              <a:t>3/11/2021</a:t>
+              <a:t>3/15/2021</a:t>
             </a:fld>
             <a:endParaRPr lang="en-US"/>
           </a:p>
@@ -893,7 +893,7 @@
           <a:p>
             <a:fld id="{CD63FF02-0E8F-C94D-9333-E7E525B6484A}" type="datetimeFigureOut">
               <a:rPr lang="en-US" smtClean="0"/>
-              <a:t>3/11/2021</a:t>
+              <a:t>3/15/2021</a:t>
             </a:fld>
             <a:endParaRPr lang="en-US"/>
           </a:p>
@@ -1168,7 +1168,7 @@
           <a:p>
             <a:fld id="{CD63FF02-0E8F-C94D-9333-E7E525B6484A}" type="datetimeFigureOut">
               <a:rPr lang="en-US" smtClean="0"/>
-              <a:t>3/11/2021</a:t>
+              <a:t>3/15/2021</a:t>
             </a:fld>
             <a:endParaRPr lang="en-US"/>
           </a:p>
@@ -1433,7 +1433,7 @@
           <a:p>
             <a:fld id="{CD63FF02-0E8F-C94D-9333-E7E525B6484A}" type="datetimeFigureOut">
               <a:rPr lang="en-US" smtClean="0"/>
-              <a:t>3/11/2021</a:t>
+              <a:t>3/15/2021</a:t>
             </a:fld>
             <a:endParaRPr lang="en-US"/>
           </a:p>
@@ -1845,7 +1845,7 @@
           <a:p>
             <a:fld id="{CD63FF02-0E8F-C94D-9333-E7E525B6484A}" type="datetimeFigureOut">
               <a:rPr lang="en-US" smtClean="0"/>
-              <a:t>3/11/2021</a:t>
+              <a:t>3/15/2021</a:t>
             </a:fld>
             <a:endParaRPr lang="en-US"/>
           </a:p>
@@ -1986,7 +1986,7 @@
           <a:p>
             <a:fld id="{CD63FF02-0E8F-C94D-9333-E7E525B6484A}" type="datetimeFigureOut">
               <a:rPr lang="en-US" smtClean="0"/>
-              <a:t>3/11/2021</a:t>
+              <a:t>3/15/2021</a:t>
             </a:fld>
             <a:endParaRPr lang="en-US"/>
           </a:p>
@@ -2099,7 +2099,7 @@
           <a:p>
             <a:fld id="{CD63FF02-0E8F-C94D-9333-E7E525B6484A}" type="datetimeFigureOut">
               <a:rPr lang="en-US" smtClean="0"/>
-              <a:t>3/11/2021</a:t>
+              <a:t>3/15/2021</a:t>
             </a:fld>
             <a:endParaRPr lang="en-US"/>
           </a:p>
@@ -2410,7 +2410,7 @@
           <a:p>
             <a:fld id="{CD63FF02-0E8F-C94D-9333-E7E525B6484A}" type="datetimeFigureOut">
               <a:rPr lang="en-US" smtClean="0"/>
-              <a:t>3/11/2021</a:t>
+              <a:t>3/15/2021</a:t>
             </a:fld>
             <a:endParaRPr lang="en-US"/>
           </a:p>
@@ -2698,7 +2698,7 @@
           <a:p>
             <a:fld id="{CD63FF02-0E8F-C94D-9333-E7E525B6484A}" type="datetimeFigureOut">
               <a:rPr lang="en-US" smtClean="0"/>
-              <a:t>3/11/2021</a:t>
+              <a:t>3/15/2021</a:t>
             </a:fld>
             <a:endParaRPr lang="en-US"/>
           </a:p>
@@ -2948,7 +2948,7 @@
           <a:p>
             <a:fld id="{CD63FF02-0E8F-C94D-9333-E7E525B6484A}" type="datetimeFigureOut">
               <a:rPr lang="en-US" smtClean="0"/>
-              <a:t>3/11/2021</a:t>
+              <a:t>3/15/2021</a:t>
             </a:fld>
             <a:endParaRPr lang="en-US"/>
           </a:p>
@@ -4014,7 +4014,7 @@
           <p:nvPr>
             <p:extLst>
               <p:ext uri="{D42A27DB-BD31-4B8C-83A1-F6EECF244321}">
-                <p14:modId xmlns:p14="http://schemas.microsoft.com/office/powerpoint/2010/main" val="504638804"/>
+                <p14:modId xmlns:p14="http://schemas.microsoft.com/office/powerpoint/2010/main" val="978037231"/>
               </p:ext>
             </p:extLst>
           </p:nvPr>
@@ -4845,13 +4845,18 @@
                     <a:p>
                       <a:pPr algn="ctr"/>
                       <a:r>
-                        <a:rPr lang="en-US" b="0" dirty="0">
+                        <a:rPr lang="en-US" b="0">
                           <a:solidFill>
                             <a:schemeClr val="tx1"/>
                           </a:solidFill>
                         </a:rPr>
-                        <a:t>11</a:t>
+                        <a:t>10</a:t>
                       </a:r>
+                      <a:endParaRPr lang="en-US" b="0" dirty="0">
+                        <a:solidFill>
+                          <a:schemeClr val="tx1"/>
+                        </a:solidFill>
+                      </a:endParaRPr>
                     </a:p>
                   </a:txBody>
                   <a:tcPr>
